--- a/SLIDES/5 Ruby Blocks.pptx
+++ b/SLIDES/5 Ruby Blocks.pptx
@@ -4146,6 +4146,13 @@
   <p:clrMapOvr>
     <a:masterClrMapping/>
   </p:clrMapOvr>
+  <p:timing>
+    <p:tnLst>
+      <p:par>
+        <p:cTn id="1" dur="indefinite" restart="never" nodeType="tmRoot"/>
+      </p:par>
+    </p:tnLst>
+  </p:timing>
 </p:sld>
 </file>
 
@@ -4273,6 +4280,13 @@
   <p:clrMapOvr>
     <a:masterClrMapping/>
   </p:clrMapOvr>
+  <p:timing>
+    <p:tnLst>
+      <p:par>
+        <p:cTn id="1" dur="indefinite" restart="never" nodeType="tmRoot"/>
+      </p:par>
+    </p:tnLst>
+  </p:timing>
 </p:sld>
 </file>
 
@@ -6680,6 +6694,13 @@
   <p:clrMapOvr>
     <a:masterClrMapping/>
   </p:clrMapOvr>
+  <p:timing>
+    <p:tnLst>
+      <p:par>
+        <p:cTn id="1" dur="indefinite" restart="never" nodeType="tmRoot"/>
+      </p:par>
+    </p:tnLst>
+  </p:timing>
 </p:sld>
 </file>
 
@@ -6797,6 +6818,13 @@
   <p:clrMapOvr>
     <a:masterClrMapping/>
   </p:clrMapOvr>
+  <p:timing>
+    <p:tnLst>
+      <p:par>
+        <p:cTn id="1" dur="indefinite" restart="never" nodeType="tmRoot"/>
+      </p:par>
+    </p:tnLst>
+  </p:timing>
 </p:sld>
 </file>
 
